--- a/IS 436 Deliverable 1.pptx
+++ b/IS 436 Deliverable 1.pptx
@@ -119,6 +119,11 @@
       </a:defRPr>
     </a:lvl9pPr>
   </p:defaultTextStyle>
+  <p:extLst>
+    <p:ext uri="{EFAFB233-063F-42B5-8137-9DF3F51BA10A}">
+      <p15:sldGuideLst xmlns:p15="http://schemas.microsoft.com/office/powerpoint/2012/main"/>
+    </p:ext>
+  </p:extLst>
 </p:presentation>
 </file>
 
@@ -10480,395 +10485,36 @@
           <a:chExt cx="0" cy="0"/>
         </a:xfrm>
       </p:grpSpPr>
-      <p:sp>
-        <p:nvSpPr>
-          <p:cNvPr id="24" name="Oval 23">
+      <p:pic>
+        <p:nvPicPr>
+          <p:cNvPr id="4" name="Picture 3">
             <a:extLst>
               <a:ext uri="{FF2B5EF4-FFF2-40B4-BE49-F238E27FC236}">
-                <a16:creationId xmlns:a16="http://schemas.microsoft.com/office/drawing/2014/main" id="{AC154DC3-63C5-4742-885C-F0FE660B7EFE}"/>
+                <a16:creationId xmlns:a16="http://schemas.microsoft.com/office/drawing/2014/main" id="{89575727-80DB-4896-A17C-557B3FD556A7}"/>
               </a:ext>
             </a:extLst>
           </p:cNvPr>
-          <p:cNvSpPr/>
+          <p:cNvPicPr>
+            <a:picLocks noChangeAspect="1"/>
+          </p:cNvPicPr>
           <p:nvPr/>
-        </p:nvSpPr>
+        </p:nvPicPr>
+        <p:blipFill>
+          <a:blip r:embed="rId3"/>
+          <a:stretch>
+            <a:fillRect/>
+          </a:stretch>
+        </p:blipFill>
         <p:spPr>
           <a:xfrm>
-            <a:off x="1827243" y="4375181"/>
-            <a:ext cx="4679576" cy="412369"/>
+            <a:off x="0" y="859536"/>
+            <a:ext cx="4928616" cy="3826076"/>
           </a:xfrm>
-          <a:prstGeom prst="ellipse">
+          <a:prstGeom prst="rect">
             <a:avLst/>
           </a:prstGeom>
         </p:spPr>
-        <p:style>
-          <a:lnRef idx="2">
-            <a:schemeClr val="accent2">
-              <a:shade val="50000"/>
-            </a:schemeClr>
-          </a:lnRef>
-          <a:fillRef idx="1">
-            <a:schemeClr val="accent2"/>
-          </a:fillRef>
-          <a:effectRef idx="0">
-            <a:schemeClr val="accent2"/>
-          </a:effectRef>
-          <a:fontRef idx="minor">
-            <a:schemeClr val="lt1"/>
-          </a:fontRef>
-        </p:style>
-        <p:txBody>
-          <a:bodyPr rtlCol="0" anchor="ctr"/>
-          <a:lstStyle/>
-          <a:p>
-            <a:pPr algn="ctr"/>
-            <a:endParaRPr lang="en-US"/>
-          </a:p>
-        </p:txBody>
-      </p:sp>
-      <p:sp>
-        <p:nvSpPr>
-          <p:cNvPr id="23" name="Oval 22">
-            <a:extLst>
-              <a:ext uri="{FF2B5EF4-FFF2-40B4-BE49-F238E27FC236}">
-                <a16:creationId xmlns:a16="http://schemas.microsoft.com/office/drawing/2014/main" id="{D5D3D03F-2CF5-4FD0-876B-D1C2F73160D5}"/>
-              </a:ext>
-            </a:extLst>
-          </p:cNvPr>
-          <p:cNvSpPr/>
-          <p:nvPr/>
-        </p:nvSpPr>
-        <p:spPr>
-          <a:xfrm>
-            <a:off x="1891553" y="3877105"/>
-            <a:ext cx="4679576" cy="412369"/>
-          </a:xfrm>
-          <a:prstGeom prst="ellipse">
-            <a:avLst/>
-          </a:prstGeom>
-        </p:spPr>
-        <p:style>
-          <a:lnRef idx="2">
-            <a:schemeClr val="accent4">
-              <a:shade val="50000"/>
-            </a:schemeClr>
-          </a:lnRef>
-          <a:fillRef idx="1">
-            <a:schemeClr val="accent4"/>
-          </a:fillRef>
-          <a:effectRef idx="0">
-            <a:schemeClr val="accent4"/>
-          </a:effectRef>
-          <a:fontRef idx="minor">
-            <a:schemeClr val="lt1"/>
-          </a:fontRef>
-        </p:style>
-        <p:txBody>
-          <a:bodyPr rtlCol="0" anchor="ctr"/>
-          <a:lstStyle/>
-          <a:p>
-            <a:pPr algn="ctr"/>
-            <a:endParaRPr lang="en-US"/>
-          </a:p>
-        </p:txBody>
-      </p:sp>
-      <p:sp>
-        <p:nvSpPr>
-          <p:cNvPr id="22" name="Oval 21">
-            <a:extLst>
-              <a:ext uri="{FF2B5EF4-FFF2-40B4-BE49-F238E27FC236}">
-                <a16:creationId xmlns:a16="http://schemas.microsoft.com/office/drawing/2014/main" id="{92204B05-C25F-4753-B06F-14D2CEBC60B4}"/>
-              </a:ext>
-            </a:extLst>
-          </p:cNvPr>
-          <p:cNvSpPr/>
-          <p:nvPr/>
-        </p:nvSpPr>
-        <p:spPr>
-          <a:xfrm>
-            <a:off x="1818279" y="3394754"/>
-            <a:ext cx="4679576" cy="412369"/>
-          </a:xfrm>
-          <a:prstGeom prst="ellipse">
-            <a:avLst/>
-          </a:prstGeom>
-          <a:solidFill>
-            <a:schemeClr val="accent1">
-              <a:lumMod val="40000"/>
-              <a:lumOff val="60000"/>
-            </a:schemeClr>
-          </a:solidFill>
-        </p:spPr>
-        <p:style>
-          <a:lnRef idx="2">
-            <a:schemeClr val="accent4">
-              <a:shade val="50000"/>
-            </a:schemeClr>
-          </a:lnRef>
-          <a:fillRef idx="1">
-            <a:schemeClr val="accent4"/>
-          </a:fillRef>
-          <a:effectRef idx="0">
-            <a:schemeClr val="accent4"/>
-          </a:effectRef>
-          <a:fontRef idx="minor">
-            <a:schemeClr val="lt1"/>
-          </a:fontRef>
-        </p:style>
-        <p:txBody>
-          <a:bodyPr rtlCol="0" anchor="ctr"/>
-          <a:lstStyle/>
-          <a:p>
-            <a:pPr algn="ctr"/>
-            <a:endParaRPr lang="en-US"/>
-          </a:p>
-        </p:txBody>
-      </p:sp>
-      <p:sp>
-        <p:nvSpPr>
-          <p:cNvPr id="21" name="Oval 20">
-            <a:extLst>
-              <a:ext uri="{FF2B5EF4-FFF2-40B4-BE49-F238E27FC236}">
-                <a16:creationId xmlns:a16="http://schemas.microsoft.com/office/drawing/2014/main" id="{7A9AFC09-D64E-483B-A9E5-0EE597C7F443}"/>
-              </a:ext>
-            </a:extLst>
-          </p:cNvPr>
-          <p:cNvSpPr/>
-          <p:nvPr/>
-        </p:nvSpPr>
-        <p:spPr>
-          <a:xfrm>
-            <a:off x="1827243" y="2896678"/>
-            <a:ext cx="4679576" cy="412369"/>
-          </a:xfrm>
-          <a:prstGeom prst="ellipse">
-            <a:avLst/>
-          </a:prstGeom>
-          <a:solidFill>
-            <a:srgbClr val="EF1160"/>
-          </a:solidFill>
-        </p:spPr>
-        <p:style>
-          <a:lnRef idx="2">
-            <a:schemeClr val="accent4">
-              <a:shade val="50000"/>
-            </a:schemeClr>
-          </a:lnRef>
-          <a:fillRef idx="1">
-            <a:schemeClr val="accent4"/>
-          </a:fillRef>
-          <a:effectRef idx="0">
-            <a:schemeClr val="accent4"/>
-          </a:effectRef>
-          <a:fontRef idx="minor">
-            <a:schemeClr val="lt1"/>
-          </a:fontRef>
-        </p:style>
-        <p:txBody>
-          <a:bodyPr rtlCol="0" anchor="ctr"/>
-          <a:lstStyle/>
-          <a:p>
-            <a:pPr algn="ctr"/>
-            <a:endParaRPr lang="en-US"/>
-          </a:p>
-        </p:txBody>
-      </p:sp>
-      <p:sp>
-        <p:nvSpPr>
-          <p:cNvPr id="20" name="Oval 19">
-            <a:extLst>
-              <a:ext uri="{FF2B5EF4-FFF2-40B4-BE49-F238E27FC236}">
-                <a16:creationId xmlns:a16="http://schemas.microsoft.com/office/drawing/2014/main" id="{071A5ECF-DD9B-4674-BF14-CDA61989526B}"/>
-              </a:ext>
-            </a:extLst>
-          </p:cNvPr>
-          <p:cNvSpPr/>
-          <p:nvPr/>
-        </p:nvSpPr>
-        <p:spPr>
-          <a:xfrm>
-            <a:off x="1828800" y="2398602"/>
-            <a:ext cx="4679576" cy="412369"/>
-          </a:xfrm>
-          <a:prstGeom prst="ellipse">
-            <a:avLst/>
-          </a:prstGeom>
-          <a:solidFill>
-            <a:schemeClr val="accent4">
-              <a:lumMod val="20000"/>
-              <a:lumOff val="80000"/>
-            </a:schemeClr>
-          </a:solidFill>
-        </p:spPr>
-        <p:style>
-          <a:lnRef idx="2">
-            <a:schemeClr val="accent4">
-              <a:shade val="50000"/>
-            </a:schemeClr>
-          </a:lnRef>
-          <a:fillRef idx="1">
-            <a:schemeClr val="accent4"/>
-          </a:fillRef>
-          <a:effectRef idx="0">
-            <a:schemeClr val="accent4"/>
-          </a:effectRef>
-          <a:fontRef idx="minor">
-            <a:schemeClr val="lt1"/>
-          </a:fontRef>
-        </p:style>
-        <p:txBody>
-          <a:bodyPr rtlCol="0" anchor="ctr"/>
-          <a:lstStyle/>
-          <a:p>
-            <a:pPr algn="ctr"/>
-            <a:endParaRPr lang="en-US"/>
-          </a:p>
-        </p:txBody>
-      </p:sp>
-      <p:sp>
-        <p:nvSpPr>
-          <p:cNvPr id="19" name="Oval 18">
-            <a:extLst>
-              <a:ext uri="{FF2B5EF4-FFF2-40B4-BE49-F238E27FC236}">
-                <a16:creationId xmlns:a16="http://schemas.microsoft.com/office/drawing/2014/main" id="{670A3FF0-B145-4800-B3C5-862B86FA8908}"/>
-              </a:ext>
-            </a:extLst>
-          </p:cNvPr>
-          <p:cNvSpPr/>
-          <p:nvPr/>
-        </p:nvSpPr>
-        <p:spPr>
-          <a:xfrm>
-            <a:off x="1828800" y="1900526"/>
-            <a:ext cx="4679576" cy="412369"/>
-          </a:xfrm>
-          <a:prstGeom prst="ellipse">
-            <a:avLst/>
-          </a:prstGeom>
-          <a:solidFill>
-            <a:schemeClr val="accent6"/>
-          </a:solidFill>
-        </p:spPr>
-        <p:style>
-          <a:lnRef idx="2">
-            <a:schemeClr val="accent4">
-              <a:shade val="50000"/>
-            </a:schemeClr>
-          </a:lnRef>
-          <a:fillRef idx="1">
-            <a:schemeClr val="accent4"/>
-          </a:fillRef>
-          <a:effectRef idx="0">
-            <a:schemeClr val="accent4"/>
-          </a:effectRef>
-          <a:fontRef idx="minor">
-            <a:schemeClr val="lt1"/>
-          </a:fontRef>
-        </p:style>
-        <p:txBody>
-          <a:bodyPr rtlCol="0" anchor="ctr"/>
-          <a:lstStyle/>
-          <a:p>
-            <a:pPr algn="ctr"/>
-            <a:endParaRPr lang="en-US"/>
-          </a:p>
-        </p:txBody>
-      </p:sp>
-      <p:sp>
-        <p:nvSpPr>
-          <p:cNvPr id="18" name="Oval 17">
-            <a:extLst>
-              <a:ext uri="{FF2B5EF4-FFF2-40B4-BE49-F238E27FC236}">
-                <a16:creationId xmlns:a16="http://schemas.microsoft.com/office/drawing/2014/main" id="{946A94FF-6972-43D5-9B13-196D43A9ACFA}"/>
-              </a:ext>
-            </a:extLst>
-          </p:cNvPr>
-          <p:cNvSpPr/>
-          <p:nvPr/>
-        </p:nvSpPr>
-        <p:spPr>
-          <a:xfrm>
-            <a:off x="1828800" y="1398502"/>
-            <a:ext cx="4679576" cy="412369"/>
-          </a:xfrm>
-          <a:prstGeom prst="ellipse">
-            <a:avLst/>
-          </a:prstGeom>
-        </p:spPr>
-        <p:style>
-          <a:lnRef idx="2">
-            <a:schemeClr val="accent3">
-              <a:shade val="50000"/>
-            </a:schemeClr>
-          </a:lnRef>
-          <a:fillRef idx="1">
-            <a:schemeClr val="accent3"/>
-          </a:fillRef>
-          <a:effectRef idx="0">
-            <a:schemeClr val="accent3"/>
-          </a:effectRef>
-          <a:fontRef idx="minor">
-            <a:schemeClr val="lt1"/>
-          </a:fontRef>
-        </p:style>
-        <p:txBody>
-          <a:bodyPr rtlCol="0" anchor="ctr"/>
-          <a:lstStyle/>
-          <a:p>
-            <a:pPr algn="ctr"/>
-            <a:endParaRPr lang="en-US"/>
-          </a:p>
-        </p:txBody>
-      </p:sp>
-      <p:sp>
-        <p:nvSpPr>
-          <p:cNvPr id="15" name="Oval 14">
-            <a:extLst>
-              <a:ext uri="{FF2B5EF4-FFF2-40B4-BE49-F238E27FC236}">
-                <a16:creationId xmlns:a16="http://schemas.microsoft.com/office/drawing/2014/main" id="{FB6F5563-2F27-4ED5-9580-51380F9B31DA}"/>
-              </a:ext>
-            </a:extLst>
-          </p:cNvPr>
-          <p:cNvSpPr/>
-          <p:nvPr/>
-        </p:nvSpPr>
-        <p:spPr>
-          <a:xfrm>
-            <a:off x="1828800" y="896478"/>
-            <a:ext cx="4679576" cy="412369"/>
-          </a:xfrm>
-          <a:prstGeom prst="ellipse">
-            <a:avLst/>
-          </a:prstGeom>
-          <a:solidFill>
-            <a:srgbClr val="00B0F0"/>
-          </a:solidFill>
-        </p:spPr>
-        <p:style>
-          <a:lnRef idx="2">
-            <a:schemeClr val="accent5">
-              <a:shade val="50000"/>
-            </a:schemeClr>
-          </a:lnRef>
-          <a:fillRef idx="1">
-            <a:schemeClr val="accent5"/>
-          </a:fillRef>
-          <a:effectRef idx="0">
-            <a:schemeClr val="accent5"/>
-          </a:effectRef>
-          <a:fontRef idx="minor">
-            <a:schemeClr val="lt1"/>
-          </a:fontRef>
-        </p:style>
-        <p:txBody>
-          <a:bodyPr rtlCol="0" anchor="ctr"/>
-          <a:lstStyle/>
-          <a:p>
-            <a:pPr algn="ctr"/>
-            <a:endParaRPr lang="en-US"/>
-          </a:p>
-        </p:txBody>
-      </p:sp>
+      </p:pic>
       <p:sp>
         <p:nvSpPr>
           <p:cNvPr id="122" name="Shape 122"/>
@@ -10881,7 +10527,7 @@
         </p:nvSpPr>
         <p:spPr>
           <a:xfrm>
-            <a:off x="2610636" y="0"/>
+            <a:off x="723343" y="-10924"/>
             <a:ext cx="4081007" cy="532126"/>
           </a:xfrm>
           <a:prstGeom prst="rect">
@@ -10922,163 +10568,404 @@
       </p:sp>
       <p:sp>
         <p:nvSpPr>
-          <p:cNvPr id="123" name="Shape 123"/>
-          <p:cNvSpPr txBox="1">
-            <a:spLocks noGrp="1"/>
-          </p:cNvSpPr>
-          <p:nvPr>
-            <p:ph type="body" idx="1"/>
-          </p:nvPr>
+          <p:cNvPr id="5" name="TextBox 4">
+            <a:extLst>
+              <a:ext uri="{FF2B5EF4-FFF2-40B4-BE49-F238E27FC236}">
+                <a16:creationId xmlns:a16="http://schemas.microsoft.com/office/drawing/2014/main" id="{D9CE6644-D0B4-4CCC-B0AD-1B7304E90AAA}"/>
+              </a:ext>
+            </a:extLst>
+          </p:cNvPr>
+          <p:cNvSpPr txBox="1"/>
+          <p:nvPr/>
         </p:nvSpPr>
         <p:spPr>
           <a:xfrm>
-            <a:off x="1604529" y="726144"/>
-            <a:ext cx="7300384" cy="3344916"/>
+            <a:off x="4804350" y="255139"/>
+            <a:ext cx="4339650" cy="369332"/>
           </a:xfrm>
           <a:prstGeom prst="rect">
             <a:avLst/>
           </a:prstGeom>
-        </p:spPr>
-        <p:txBody>
-          <a:bodyPr spcFirstLastPara="1" wrap="square" lIns="91425" tIns="91425" rIns="91425" bIns="91425" anchor="t" anchorCtr="0">
-            <a:noAutofit/>
+          <a:noFill/>
+        </p:spPr>
+        <p:txBody>
+          <a:bodyPr wrap="none" rtlCol="0">
+            <a:spAutoFit/>
           </a:bodyPr>
           <a:lstStyle/>
           <a:p>
-            <a:pPr lvl="1" indent="-342900">
-              <a:lnSpc>
-                <a:spcPct val="200000"/>
-              </a:lnSpc>
-              <a:spcBef>
-                <a:spcPts val="0"/>
-              </a:spcBef>
-              <a:buSzPts val="1800"/>
-              <a:buAutoNum type="arabicParenR"/>
-            </a:pPr>
-            <a:r>
-              <a:rPr lang="en" sz="1600" dirty="0"/>
-              <a:t>Analyze sponsor requirements and preference</a:t>
-            </a:r>
-            <a:endParaRPr sz="1600" dirty="0"/>
-          </a:p>
-          <a:p>
-            <a:pPr lvl="1" indent="-342900">
-              <a:lnSpc>
-                <a:spcPct val="200000"/>
-              </a:lnSpc>
-              <a:spcBef>
-                <a:spcPts val="0"/>
-              </a:spcBef>
-              <a:buSzPts val="1800"/>
-              <a:buAutoNum type="arabicParenR"/>
-            </a:pPr>
-            <a:r>
-              <a:rPr lang="en" sz="1600" dirty="0"/>
-              <a:t>Establish feasibility</a:t>
-            </a:r>
-            <a:endParaRPr sz="1600" dirty="0"/>
-          </a:p>
-          <a:p>
-            <a:pPr lvl="1" indent="-342900">
-              <a:lnSpc>
-                <a:spcPct val="200000"/>
-              </a:lnSpc>
-              <a:spcBef>
-                <a:spcPts val="0"/>
-              </a:spcBef>
-              <a:buSzPts val="1800"/>
-              <a:buAutoNum type="arabicParenR"/>
-            </a:pPr>
-            <a:r>
-              <a:rPr lang="en" sz="1600" dirty="0"/>
-              <a:t>Prepare detailed outline of code</a:t>
-            </a:r>
-            <a:endParaRPr sz="1600" dirty="0"/>
-          </a:p>
-          <a:p>
-            <a:pPr lvl="1" indent="-342900">
-              <a:lnSpc>
-                <a:spcPct val="200000"/>
-              </a:lnSpc>
-              <a:spcBef>
-                <a:spcPts val="0"/>
-              </a:spcBef>
-              <a:buSzPts val="1800"/>
-              <a:buAutoNum type="arabicParenR"/>
-            </a:pPr>
-            <a:r>
-              <a:rPr lang="en" sz="1600" dirty="0"/>
-              <a:t>Design code</a:t>
-            </a:r>
-            <a:endParaRPr sz="1600" dirty="0"/>
-          </a:p>
-          <a:p>
-            <a:pPr lvl="1" indent="-342900">
-              <a:lnSpc>
-                <a:spcPct val="200000"/>
-              </a:lnSpc>
-              <a:spcBef>
-                <a:spcPts val="0"/>
-              </a:spcBef>
-              <a:buSzPts val="1800"/>
-              <a:buAutoNum type="arabicParenR"/>
-            </a:pPr>
-            <a:r>
-              <a:rPr lang="en" sz="1600" dirty="0"/>
-              <a:t>Test and evaluate the system</a:t>
-            </a:r>
-            <a:endParaRPr sz="1600" dirty="0"/>
-          </a:p>
-          <a:p>
-            <a:pPr lvl="1" indent="-342900">
-              <a:lnSpc>
-                <a:spcPct val="200000"/>
-              </a:lnSpc>
-              <a:spcBef>
-                <a:spcPts val="0"/>
-              </a:spcBef>
-              <a:buSzPts val="1800"/>
-              <a:buAutoNum type="arabicParenR"/>
-            </a:pPr>
-            <a:r>
-              <a:rPr lang="en" sz="1600" dirty="0"/>
-              <a:t>Inspection and quality control</a:t>
-            </a:r>
-            <a:endParaRPr sz="1600" dirty="0"/>
-          </a:p>
-          <a:p>
-            <a:pPr lvl="1" indent="-342900">
-              <a:lnSpc>
-                <a:spcPct val="200000"/>
-              </a:lnSpc>
-              <a:spcBef>
-                <a:spcPts val="0"/>
-              </a:spcBef>
-              <a:buSzPts val="1800"/>
-              <a:buAutoNum type="arabicParenR"/>
-            </a:pPr>
-            <a:r>
-              <a:rPr lang="en" sz="1600" dirty="0"/>
-              <a:t>Review feedback for improvements </a:t>
-            </a:r>
-            <a:endParaRPr sz="1600" dirty="0"/>
-          </a:p>
-          <a:p>
-            <a:pPr lvl="1" indent="-342900">
-              <a:lnSpc>
-                <a:spcPct val="200000"/>
-              </a:lnSpc>
-              <a:spcBef>
-                <a:spcPts val="0"/>
-              </a:spcBef>
-              <a:buSzPts val="1800"/>
-              <a:buAutoNum type="arabicParenR"/>
-            </a:pPr>
-            <a:r>
-              <a:rPr lang="en" sz="1600" dirty="0"/>
-              <a:t>Distribute to sponsor</a:t>
-            </a:r>
-            <a:endParaRPr sz="1600" dirty="0"/>
+            <a:r>
+              <a:rPr lang="en-US" dirty="0"/>
+              <a:t>Feb		         Mar		       Apr	        	May	</a:t>
+            </a:r>
+          </a:p>
+        </p:txBody>
+      </p:sp>
+      <p:sp>
+        <p:nvSpPr>
+          <p:cNvPr id="6" name="Rectangle: Rounded Corners 5">
+            <a:extLst>
+              <a:ext uri="{FF2B5EF4-FFF2-40B4-BE49-F238E27FC236}">
+                <a16:creationId xmlns:a16="http://schemas.microsoft.com/office/drawing/2014/main" id="{195B1CA5-B5F3-4054-B3CF-C9697C0316E0}"/>
+              </a:ext>
+            </a:extLst>
+          </p:cNvPr>
+          <p:cNvSpPr/>
+          <p:nvPr/>
+        </p:nvSpPr>
+        <p:spPr>
+          <a:xfrm>
+            <a:off x="5120640" y="1014984"/>
+            <a:ext cx="548640" cy="237744"/>
+          </a:xfrm>
+          <a:prstGeom prst="roundRect">
+            <a:avLst/>
+          </a:prstGeom>
+        </p:spPr>
+        <p:style>
+          <a:lnRef idx="2">
+            <a:schemeClr val="accent1">
+              <a:shade val="50000"/>
+            </a:schemeClr>
+          </a:lnRef>
+          <a:fillRef idx="1">
+            <a:schemeClr val="accent1"/>
+          </a:fillRef>
+          <a:effectRef idx="0">
+            <a:schemeClr val="accent1"/>
+          </a:effectRef>
+          <a:fontRef idx="minor">
+            <a:schemeClr val="lt1"/>
+          </a:fontRef>
+        </p:style>
+        <p:txBody>
+          <a:bodyPr rtlCol="0" anchor="ctr"/>
+          <a:lstStyle/>
+          <a:p>
+            <a:pPr algn="ctr"/>
+            <a:endParaRPr lang="en-US"/>
+          </a:p>
+        </p:txBody>
+      </p:sp>
+      <p:sp>
+        <p:nvSpPr>
+          <p:cNvPr id="7" name="Rectangle 6">
+            <a:extLst>
+              <a:ext uri="{FF2B5EF4-FFF2-40B4-BE49-F238E27FC236}">
+                <a16:creationId xmlns:a16="http://schemas.microsoft.com/office/drawing/2014/main" id="{BC106F2B-8ECF-4E94-BD78-2C7E5DA0F7E7}"/>
+              </a:ext>
+            </a:extLst>
+          </p:cNvPr>
+          <p:cNvSpPr/>
+          <p:nvPr/>
+        </p:nvSpPr>
+        <p:spPr>
+          <a:xfrm>
+            <a:off x="5742432" y="1371600"/>
+            <a:ext cx="466344" cy="256032"/>
+          </a:xfrm>
+          <a:prstGeom prst="rect">
+            <a:avLst/>
+          </a:prstGeom>
+        </p:spPr>
+        <p:style>
+          <a:lnRef idx="2">
+            <a:schemeClr val="accent1">
+              <a:shade val="50000"/>
+            </a:schemeClr>
+          </a:lnRef>
+          <a:fillRef idx="1">
+            <a:schemeClr val="accent1"/>
+          </a:fillRef>
+          <a:effectRef idx="0">
+            <a:schemeClr val="accent1"/>
+          </a:effectRef>
+          <a:fontRef idx="minor">
+            <a:schemeClr val="lt1"/>
+          </a:fontRef>
+        </p:style>
+        <p:txBody>
+          <a:bodyPr rtlCol="0" anchor="ctr"/>
+          <a:lstStyle/>
+          <a:p>
+            <a:pPr algn="ctr"/>
+            <a:endParaRPr lang="en-US"/>
+          </a:p>
+        </p:txBody>
+      </p:sp>
+      <p:sp>
+        <p:nvSpPr>
+          <p:cNvPr id="8" name="Rectangle: Rounded Corners 7">
+            <a:extLst>
+              <a:ext uri="{FF2B5EF4-FFF2-40B4-BE49-F238E27FC236}">
+                <a16:creationId xmlns:a16="http://schemas.microsoft.com/office/drawing/2014/main" id="{3610D029-EB35-456C-B567-692E5D0F5DFD}"/>
+              </a:ext>
+            </a:extLst>
+          </p:cNvPr>
+          <p:cNvSpPr/>
+          <p:nvPr/>
+        </p:nvSpPr>
+        <p:spPr>
+          <a:xfrm>
+            <a:off x="6208776" y="1892808"/>
+            <a:ext cx="420624" cy="182880"/>
+          </a:xfrm>
+          <a:prstGeom prst="roundRect">
+            <a:avLst/>
+          </a:prstGeom>
+        </p:spPr>
+        <p:style>
+          <a:lnRef idx="2">
+            <a:schemeClr val="accent1">
+              <a:shade val="50000"/>
+            </a:schemeClr>
+          </a:lnRef>
+          <a:fillRef idx="1">
+            <a:schemeClr val="accent1"/>
+          </a:fillRef>
+          <a:effectRef idx="0">
+            <a:schemeClr val="accent1"/>
+          </a:effectRef>
+          <a:fontRef idx="minor">
+            <a:schemeClr val="lt1"/>
+          </a:fontRef>
+        </p:style>
+        <p:txBody>
+          <a:bodyPr rtlCol="0" anchor="ctr"/>
+          <a:lstStyle/>
+          <a:p>
+            <a:pPr algn="ctr"/>
+            <a:endParaRPr lang="en-US"/>
+          </a:p>
+        </p:txBody>
+      </p:sp>
+      <p:sp>
+        <p:nvSpPr>
+          <p:cNvPr id="9" name="Rectangle: Rounded Corners 8">
+            <a:extLst>
+              <a:ext uri="{FF2B5EF4-FFF2-40B4-BE49-F238E27FC236}">
+                <a16:creationId xmlns:a16="http://schemas.microsoft.com/office/drawing/2014/main" id="{784906B4-FC28-487E-ACE4-4598D66FCA23}"/>
+              </a:ext>
+            </a:extLst>
+          </p:cNvPr>
+          <p:cNvSpPr/>
+          <p:nvPr/>
+        </p:nvSpPr>
+        <p:spPr>
+          <a:xfrm>
+            <a:off x="6702552" y="2258568"/>
+            <a:ext cx="466344" cy="246888"/>
+          </a:xfrm>
+          <a:prstGeom prst="roundRect">
+            <a:avLst/>
+          </a:prstGeom>
+        </p:spPr>
+        <p:style>
+          <a:lnRef idx="2">
+            <a:schemeClr val="accent1">
+              <a:shade val="50000"/>
+            </a:schemeClr>
+          </a:lnRef>
+          <a:fillRef idx="1">
+            <a:schemeClr val="accent1"/>
+          </a:fillRef>
+          <a:effectRef idx="0">
+            <a:schemeClr val="accent1"/>
+          </a:effectRef>
+          <a:fontRef idx="minor">
+            <a:schemeClr val="lt1"/>
+          </a:fontRef>
+        </p:style>
+        <p:txBody>
+          <a:bodyPr rtlCol="0" anchor="ctr"/>
+          <a:lstStyle/>
+          <a:p>
+            <a:pPr algn="ctr"/>
+            <a:endParaRPr lang="en-US"/>
+          </a:p>
+        </p:txBody>
+      </p:sp>
+      <p:sp>
+        <p:nvSpPr>
+          <p:cNvPr id="10" name="Rectangle: Rounded Corners 9">
+            <a:extLst>
+              <a:ext uri="{FF2B5EF4-FFF2-40B4-BE49-F238E27FC236}">
+                <a16:creationId xmlns:a16="http://schemas.microsoft.com/office/drawing/2014/main" id="{A3FF116C-BE19-44CA-9DE7-99E4757972E0}"/>
+              </a:ext>
+            </a:extLst>
+          </p:cNvPr>
+          <p:cNvSpPr/>
+          <p:nvPr/>
+        </p:nvSpPr>
+        <p:spPr>
+          <a:xfrm>
+            <a:off x="7168896" y="2772574"/>
+            <a:ext cx="429768" cy="180938"/>
+          </a:xfrm>
+          <a:prstGeom prst="roundRect">
+            <a:avLst/>
+          </a:prstGeom>
+        </p:spPr>
+        <p:style>
+          <a:lnRef idx="2">
+            <a:schemeClr val="accent1">
+              <a:shade val="50000"/>
+            </a:schemeClr>
+          </a:lnRef>
+          <a:fillRef idx="1">
+            <a:schemeClr val="accent1"/>
+          </a:fillRef>
+          <a:effectRef idx="0">
+            <a:schemeClr val="accent1"/>
+          </a:effectRef>
+          <a:fontRef idx="minor">
+            <a:schemeClr val="lt1"/>
+          </a:fontRef>
+        </p:style>
+        <p:txBody>
+          <a:bodyPr rtlCol="0" anchor="ctr"/>
+          <a:lstStyle/>
+          <a:p>
+            <a:pPr algn="ctr"/>
+            <a:endParaRPr lang="en-US"/>
+          </a:p>
+        </p:txBody>
+      </p:sp>
+      <p:sp>
+        <p:nvSpPr>
+          <p:cNvPr id="11" name="Rectangle: Rounded Corners 10">
+            <a:extLst>
+              <a:ext uri="{FF2B5EF4-FFF2-40B4-BE49-F238E27FC236}">
+                <a16:creationId xmlns:a16="http://schemas.microsoft.com/office/drawing/2014/main" id="{C6CB74E0-203B-4195-BA2B-CD99ACCACBD6}"/>
+              </a:ext>
+            </a:extLst>
+          </p:cNvPr>
+          <p:cNvSpPr/>
+          <p:nvPr/>
+        </p:nvSpPr>
+        <p:spPr>
+          <a:xfrm>
+            <a:off x="7598664" y="3214116"/>
+            <a:ext cx="347472" cy="283464"/>
+          </a:xfrm>
+          <a:prstGeom prst="roundRect">
+            <a:avLst/>
+          </a:prstGeom>
+        </p:spPr>
+        <p:style>
+          <a:lnRef idx="2">
+            <a:schemeClr val="accent1">
+              <a:shade val="50000"/>
+            </a:schemeClr>
+          </a:lnRef>
+          <a:fillRef idx="1">
+            <a:schemeClr val="accent1"/>
+          </a:fillRef>
+          <a:effectRef idx="0">
+            <a:schemeClr val="accent1"/>
+          </a:effectRef>
+          <a:fontRef idx="minor">
+            <a:schemeClr val="lt1"/>
+          </a:fontRef>
+        </p:style>
+        <p:txBody>
+          <a:bodyPr rtlCol="0" anchor="ctr"/>
+          <a:lstStyle/>
+          <a:p>
+            <a:pPr algn="ctr"/>
+            <a:endParaRPr lang="en-US"/>
+          </a:p>
+        </p:txBody>
+      </p:sp>
+      <p:sp>
+        <p:nvSpPr>
+          <p:cNvPr id="12" name="Rectangle: Rounded Corners 11">
+            <a:extLst>
+              <a:ext uri="{FF2B5EF4-FFF2-40B4-BE49-F238E27FC236}">
+                <a16:creationId xmlns:a16="http://schemas.microsoft.com/office/drawing/2014/main" id="{4321DB4F-120A-4496-B01E-C187422F0212}"/>
+              </a:ext>
+            </a:extLst>
+          </p:cNvPr>
+          <p:cNvSpPr/>
+          <p:nvPr/>
+        </p:nvSpPr>
+        <p:spPr>
+          <a:xfrm>
+            <a:off x="8001000" y="3712464"/>
+            <a:ext cx="374904" cy="219456"/>
+          </a:xfrm>
+          <a:prstGeom prst="roundRect">
+            <a:avLst/>
+          </a:prstGeom>
+        </p:spPr>
+        <p:style>
+          <a:lnRef idx="2">
+            <a:schemeClr val="accent1">
+              <a:shade val="50000"/>
+            </a:schemeClr>
+          </a:lnRef>
+          <a:fillRef idx="1">
+            <a:schemeClr val="accent1"/>
+          </a:fillRef>
+          <a:effectRef idx="0">
+            <a:schemeClr val="accent1"/>
+          </a:effectRef>
+          <a:fontRef idx="minor">
+            <a:schemeClr val="lt1"/>
+          </a:fontRef>
+        </p:style>
+        <p:txBody>
+          <a:bodyPr rtlCol="0" anchor="ctr"/>
+          <a:lstStyle/>
+          <a:p>
+            <a:pPr algn="ctr"/>
+            <a:endParaRPr lang="en-US"/>
+          </a:p>
+        </p:txBody>
+      </p:sp>
+      <p:sp>
+        <p:nvSpPr>
+          <p:cNvPr id="13" name="Rectangle: Rounded Corners 12">
+            <a:extLst>
+              <a:ext uri="{FF2B5EF4-FFF2-40B4-BE49-F238E27FC236}">
+                <a16:creationId xmlns:a16="http://schemas.microsoft.com/office/drawing/2014/main" id="{DE9E126C-22AC-4016-833E-7B975CBB0CB3}"/>
+              </a:ext>
+            </a:extLst>
+          </p:cNvPr>
+          <p:cNvSpPr/>
+          <p:nvPr/>
+        </p:nvSpPr>
+        <p:spPr>
+          <a:xfrm>
+            <a:off x="8375904" y="4123944"/>
+            <a:ext cx="256032" cy="237744"/>
+          </a:xfrm>
+          <a:prstGeom prst="roundRect">
+            <a:avLst/>
+          </a:prstGeom>
+        </p:spPr>
+        <p:style>
+          <a:lnRef idx="2">
+            <a:schemeClr val="accent1">
+              <a:shade val="50000"/>
+            </a:schemeClr>
+          </a:lnRef>
+          <a:fillRef idx="1">
+            <a:schemeClr val="accent1"/>
+          </a:fillRef>
+          <a:effectRef idx="0">
+            <a:schemeClr val="accent1"/>
+          </a:effectRef>
+          <a:fontRef idx="minor">
+            <a:schemeClr val="lt1"/>
+          </a:fontRef>
+        </p:style>
+        <p:txBody>
+          <a:bodyPr rtlCol="0" anchor="ctr"/>
+          <a:lstStyle/>
+          <a:p>
+            <a:pPr algn="ctr"/>
+            <a:endParaRPr lang="en-US"/>
           </a:p>
         </p:txBody>
       </p:sp>
